--- a/Michael/WebBasics/Web Basics.pptx
+++ b/Michael/WebBasics/Web Basics.pptx
@@ -8,7 +8,8 @@
     <p:sldId id="256" r:id="rId2"/>
     <p:sldId id="257" r:id="rId3"/>
     <p:sldId id="258" r:id="rId4"/>
-    <p:sldId id="259" r:id="rId5"/>
+    <p:sldId id="261" r:id="rId5"/>
+    <p:sldId id="259" r:id="rId6"/>
   </p:sldIdLst>
   <p:sldSz cx="9144000" cy="6858000" type="screen4x3"/>
   <p:notesSz cx="6858000" cy="9144000"/>
@@ -292,7 +293,7 @@
             <a:fld id="{1D8BD707-D9CF-40AE-B4C6-C98DA3205C09}" type="datetimeFigureOut">
               <a:rPr lang="en-US" smtClean="0"/>
               <a:pPr/>
-              <a:t>4/13/2015</a:t>
+              <a:t>4/20/2015</a:t>
             </a:fld>
             <a:endParaRPr lang="en-US" dirty="0"/>
           </a:p>
@@ -459,7 +460,7 @@
             <a:fld id="{1D8BD707-D9CF-40AE-B4C6-C98DA3205C09}" type="datetimeFigureOut">
               <a:rPr lang="en-US" smtClean="0"/>
               <a:pPr/>
-              <a:t>4/13/2015</a:t>
+              <a:t>4/20/2015</a:t>
             </a:fld>
             <a:endParaRPr lang="en-US" dirty="0"/>
           </a:p>
@@ -636,7 +637,7 @@
             <a:fld id="{1D8BD707-D9CF-40AE-B4C6-C98DA3205C09}" type="datetimeFigureOut">
               <a:rPr lang="en-US" smtClean="0"/>
               <a:pPr/>
-              <a:t>4/13/2015</a:t>
+              <a:t>4/20/2015</a:t>
             </a:fld>
             <a:endParaRPr lang="en-US" dirty="0"/>
           </a:p>
@@ -803,7 +804,7 @@
             <a:fld id="{1D8BD707-D9CF-40AE-B4C6-C98DA3205C09}" type="datetimeFigureOut">
               <a:rPr lang="en-US" smtClean="0"/>
               <a:pPr/>
-              <a:t>4/13/2015</a:t>
+              <a:t>4/20/2015</a:t>
             </a:fld>
             <a:endParaRPr lang="en-US" dirty="0"/>
           </a:p>
@@ -1046,7 +1047,7 @@
             <a:fld id="{1D8BD707-D9CF-40AE-B4C6-C98DA3205C09}" type="datetimeFigureOut">
               <a:rPr lang="en-US" smtClean="0"/>
               <a:pPr/>
-              <a:t>4/13/2015</a:t>
+              <a:t>4/20/2015</a:t>
             </a:fld>
             <a:endParaRPr lang="en-US" dirty="0"/>
           </a:p>
@@ -1331,7 +1332,7 @@
             <a:fld id="{1D8BD707-D9CF-40AE-B4C6-C98DA3205C09}" type="datetimeFigureOut">
               <a:rPr lang="en-US" smtClean="0"/>
               <a:pPr/>
-              <a:t>4/13/2015</a:t>
+              <a:t>4/20/2015</a:t>
             </a:fld>
             <a:endParaRPr lang="en-US" dirty="0"/>
           </a:p>
@@ -1750,7 +1751,7 @@
             <a:fld id="{1D8BD707-D9CF-40AE-B4C6-C98DA3205C09}" type="datetimeFigureOut">
               <a:rPr lang="en-US" smtClean="0"/>
               <a:pPr/>
-              <a:t>4/13/2015</a:t>
+              <a:t>4/20/2015</a:t>
             </a:fld>
             <a:endParaRPr lang="en-US" dirty="0"/>
           </a:p>
@@ -1865,7 +1866,7 @@
             <a:fld id="{1D8BD707-D9CF-40AE-B4C6-C98DA3205C09}" type="datetimeFigureOut">
               <a:rPr lang="en-US" smtClean="0"/>
               <a:pPr/>
-              <a:t>4/13/2015</a:t>
+              <a:t>4/20/2015</a:t>
             </a:fld>
             <a:endParaRPr lang="en-US" dirty="0"/>
           </a:p>
@@ -1957,7 +1958,7 @@
             <a:fld id="{1D8BD707-D9CF-40AE-B4C6-C98DA3205C09}" type="datetimeFigureOut">
               <a:rPr lang="en-US" smtClean="0"/>
               <a:pPr/>
-              <a:t>4/13/2015</a:t>
+              <a:t>4/20/2015</a:t>
             </a:fld>
             <a:endParaRPr lang="en-US" dirty="0"/>
           </a:p>
@@ -2231,7 +2232,7 @@
             <a:fld id="{1D8BD707-D9CF-40AE-B4C6-C98DA3205C09}" type="datetimeFigureOut">
               <a:rPr lang="en-US" smtClean="0"/>
               <a:pPr/>
-              <a:t>4/13/2015</a:t>
+              <a:t>4/20/2015</a:t>
             </a:fld>
             <a:endParaRPr lang="en-US" dirty="0"/>
           </a:p>
@@ -2481,7 +2482,7 @@
             <a:fld id="{1D8BD707-D9CF-40AE-B4C6-C98DA3205C09}" type="datetimeFigureOut">
               <a:rPr lang="en-US" smtClean="0"/>
               <a:pPr/>
-              <a:t>4/13/2015</a:t>
+              <a:t>4/20/2015</a:t>
             </a:fld>
             <a:endParaRPr lang="en-US" dirty="0"/>
           </a:p>
@@ -2691,7 +2692,7 @@
             <a:fld id="{1D8BD707-D9CF-40AE-B4C6-C98DA3205C09}" type="datetimeFigureOut">
               <a:rPr lang="en-US" smtClean="0"/>
               <a:pPr/>
-              <a:t>4/13/2015</a:t>
+              <a:t>4/20/2015</a:t>
             </a:fld>
             <a:endParaRPr lang="en-US" dirty="0"/>
           </a:p>
@@ -3114,6 +3115,13 @@
   <p:clrMapOvr>
     <a:masterClrMapping/>
   </p:clrMapOvr>
+  <p:timing>
+    <p:tnLst>
+      <p:par>
+        <p:cTn id="1" dur="indefinite" restart="never" nodeType="tmRoot"/>
+      </p:par>
+    </p:tnLst>
+  </p:timing>
 </p:sld>
 </file>
 
@@ -3379,6 +3387,85 @@
             <a:spLocks noGrp="1"/>
           </p:cNvSpPr>
           <p:nvPr>
+            <p:ph type="ctrTitle"/>
+          </p:nvPr>
+        </p:nvSpPr>
+        <p:spPr/>
+        <p:txBody>
+          <a:bodyPr/>
+          <a:lstStyle/>
+          <a:p>
+            <a:r>
+              <a:rPr lang="en-AU" dirty="0" smtClean="0"/>
+              <a:t>Examples</a:t>
+            </a:r>
+            <a:endParaRPr lang="en-AU" dirty="0"/>
+          </a:p>
+        </p:txBody>
+      </p:sp>
+      <p:sp>
+        <p:nvSpPr>
+          <p:cNvPr id="3" name="Subtitle 2"/>
+          <p:cNvSpPr>
+            <a:spLocks noGrp="1"/>
+          </p:cNvSpPr>
+          <p:nvPr>
+            <p:ph type="subTitle" idx="1"/>
+          </p:nvPr>
+        </p:nvSpPr>
+        <p:spPr/>
+        <p:txBody>
+          <a:bodyPr/>
+          <a:lstStyle/>
+          <a:p>
+            <a:endParaRPr lang="en-AU" dirty="0"/>
+          </a:p>
+        </p:txBody>
+      </p:sp>
+    </p:spTree>
+    <p:extLst>
+      <p:ext uri="{BB962C8B-B14F-4D97-AF65-F5344CB8AC3E}">
+        <p14:creationId xmlns:p14="http://schemas.microsoft.com/office/powerpoint/2010/main" val="3719516027"/>
+      </p:ext>
+    </p:extLst>
+  </p:cSld>
+  <p:clrMapOvr>
+    <a:masterClrMapping/>
+  </p:clrMapOvr>
+  <p:timing>
+    <p:tnLst>
+      <p:par>
+        <p:cTn id="1" dur="indefinite" restart="never" nodeType="tmRoot"/>
+      </p:par>
+    </p:tnLst>
+  </p:timing>
+</p:sld>
+</file>
+
+<file path=ppt/slides/slide5.xml><?xml version="1.0" encoding="utf-8"?>
+<p:sld xmlns:a="http://schemas.openxmlformats.org/drawingml/2006/main" xmlns:r="http://schemas.openxmlformats.org/officeDocument/2006/relationships" xmlns:p="http://schemas.openxmlformats.org/presentationml/2006/main">
+  <p:cSld>
+    <p:spTree>
+      <p:nvGrpSpPr>
+        <p:cNvPr id="1" name=""/>
+        <p:cNvGrpSpPr/>
+        <p:nvPr/>
+      </p:nvGrpSpPr>
+      <p:grpSpPr>
+        <a:xfrm>
+          <a:off x="0" y="0"/>
+          <a:ext cx="0" cy="0"/>
+          <a:chOff x="0" y="0"/>
+          <a:chExt cx="0" cy="0"/>
+        </a:xfrm>
+      </p:grpSpPr>
+      <p:sp>
+        <p:nvSpPr>
+          <p:cNvPr id="2" name="Title 1"/>
+          <p:cNvSpPr>
+            <a:spLocks noGrp="1"/>
+          </p:cNvSpPr>
+          <p:nvPr>
             <p:ph type="title"/>
           </p:nvPr>
         </p:nvSpPr>
@@ -3482,6 +3569,13 @@
   <p:clrMapOvr>
     <a:masterClrMapping/>
   </p:clrMapOvr>
+  <p:timing>
+    <p:tnLst>
+      <p:par>
+        <p:cTn id="1" dur="indefinite" restart="never" nodeType="tmRoot"/>
+      </p:par>
+    </p:tnLst>
+  </p:timing>
 </p:sld>
 </file>
 

--- a/Michael/WebBasics/Web Basics.pptx
+++ b/Michael/WebBasics/Web Basics.pptx
@@ -3200,7 +3200,19 @@
           <a:p>
             <a:r>
               <a:rPr lang="en-AU" dirty="0" smtClean="0"/>
-              <a:t>Allow changes to a web after the </a:t>
+              <a:t>Allow changes to a web </a:t>
+            </a:r>
+            <a:r>
+              <a:rPr lang="en-AU" dirty="0" smtClean="0"/>
+              <a:t>page </a:t>
+            </a:r>
+            <a:r>
+              <a:rPr lang="en-AU" dirty="0" smtClean="0"/>
+              <a:t>after </a:t>
+            </a:r>
+            <a:r>
+              <a:rPr lang="en-AU" dirty="0" smtClean="0"/>
+              <a:t>the </a:t>
             </a:r>
             <a:r>
               <a:rPr lang="en-AU" i="1" dirty="0" smtClean="0"/>
@@ -3284,7 +3296,15 @@
           <a:p>
             <a:r>
               <a:rPr lang="en-AU" dirty="0" smtClean="0"/>
-              <a:t>Cross platform way of representing and interacting with object in HTML, XHTML, XML</a:t>
+              <a:t>Cross platform way of representing and interacting with </a:t>
+            </a:r>
+            <a:r>
+              <a:rPr lang="en-AU" dirty="0" smtClean="0"/>
+              <a:t>objects </a:t>
+            </a:r>
+            <a:r>
+              <a:rPr lang="en-AU" dirty="0" smtClean="0"/>
+              <a:t>in HTML, XHTML, XML</a:t>
             </a:r>
           </a:p>
           <a:p>
@@ -3510,7 +3530,23 @@
           <a:p>
             <a:r>
               <a:rPr lang="en-AU" dirty="0" smtClean="0"/>
-              <a:t>A way for web applications can send data to and retrieve from a server asynchronously.</a:t>
+              <a:t>A way for web applications </a:t>
+            </a:r>
+            <a:r>
+              <a:rPr lang="en-AU" dirty="0" smtClean="0"/>
+              <a:t>to send and retrieve data </a:t>
+            </a:r>
+            <a:r>
+              <a:rPr lang="en-AU" dirty="0" smtClean="0"/>
+              <a:t>from a server </a:t>
+            </a:r>
+            <a:r>
+              <a:rPr lang="en-AU" i="1" dirty="0" smtClean="0"/>
+              <a:t>asynchronously</a:t>
+            </a:r>
+            <a:r>
+              <a:rPr lang="en-AU" dirty="0" smtClean="0"/>
+              <a:t>.</a:t>
             </a:r>
           </a:p>
           <a:p>
